--- a/review0.pptx
+++ b/review0.pptx
@@ -11655,7 +11655,7 @@
         </p:nvSpPr>
         <p:spPr>
           <a:xfrm>
-            <a:off x="790469" y="1069102"/>
+            <a:off x="790469" y="1077894"/>
             <a:ext cx="10363200" cy="962898"/>
           </a:xfrm>
           <a:prstGeom prst="rect">
@@ -12812,7 +12812,7 @@
                 <a:cs typeface="Verdana"/>
                 <a:sym typeface="Verdana"/>
               </a:rPr>
-              <a:t> </a:t>
+              <a:t> C</a:t>
             </a:r>
             <a:endParaRPr dirty="0">
               <a:latin typeface="Cambria" panose="02040503050406030204" pitchFamily="18" charset="0"/>
@@ -12844,7 +12844,7 @@
                 <a:cs typeface="Verdana"/>
                 <a:sym typeface="Verdana"/>
               </a:rPr>
-              <a:t>Professor / Associate Professor / Assistant Professor</a:t>
+              <a:t>Assistant Professor</a:t>
             </a:r>
             <a:endParaRPr dirty="0">
               <a:latin typeface="Cambria" panose="02040503050406030204" pitchFamily="18" charset="0"/>
@@ -15050,7 +15050,7 @@
                 <a:latin typeface="Cambria" panose="02040503050406030204" pitchFamily="18" charset="0"/>
                 <a:ea typeface="Cambria" panose="02040503050406030204" pitchFamily="18" charset="0"/>
               </a:rPr>
-              <a:t>Software and Hardware Requirements:</a:t>
+              <a:t>Software  Requirements:</a:t>
             </a:r>
           </a:p>
           <a:p>
@@ -15593,7 +15593,7 @@
         </p:blipFill>
         <p:spPr>
           <a:xfrm>
-            <a:off x="1453877" y="1758462"/>
+            <a:off x="1441971" y="1617785"/>
             <a:ext cx="9409658" cy="3622430"/>
           </a:xfrm>
           <a:prstGeom prst="rect">
